--- a/potatoVendor/The Potato Vendor DApp.pptx
+++ b/potatoVendor/The Potato Vendor DApp.pptx
@@ -10,8 +10,10 @@
     <p:sldId id="258" r:id="rId4"/>
     <p:sldId id="259" r:id="rId5"/>
     <p:sldId id="260" r:id="rId6"/>
-    <p:sldId id="261" r:id="rId7"/>
-    <p:sldId id="262" r:id="rId8"/>
+    <p:sldId id="263" r:id="rId7"/>
+    <p:sldId id="264" r:id="rId8"/>
+    <p:sldId id="261" r:id="rId9"/>
+    <p:sldId id="262" r:id="rId10"/>
   </p:sldIdLst>
   <p:sldSz cx="12192000" cy="6858000"/>
   <p:notesSz cx="6858000" cy="9144000"/>
@@ -110,6 +112,11 @@
       </a:defRPr>
     </a:lvl9pPr>
   </p:defaultTextStyle>
+  <p:extLst>
+    <p:ext uri="{EFAFB233-063F-42B5-8137-9DF3F51BA10A}">
+      <p15:sldGuideLst xmlns:p15="http://schemas.microsoft.com/office/powerpoint/2012/main"/>
+    </p:ext>
+  </p:extLst>
 </p:presentation>
 </file>
 
@@ -314,7 +321,7 @@
           <a:p>
             <a:fld id="{2C2AAFF6-1889-49BB-8AD7-B5E1F23A5778}" type="slidenum">
               <a:rPr lang="it-IT" smtClean="0"/>
-              <a:t>‹N›</a:t>
+              <a:t>‹#›</a:t>
             </a:fld>
             <a:endParaRPr lang="it-IT"/>
           </a:p>
@@ -512,7 +519,7 @@
           <a:p>
             <a:fld id="{2C2AAFF6-1889-49BB-8AD7-B5E1F23A5778}" type="slidenum">
               <a:rPr lang="it-IT" smtClean="0"/>
-              <a:t>‹N›</a:t>
+              <a:t>‹#›</a:t>
             </a:fld>
             <a:endParaRPr lang="it-IT"/>
           </a:p>
@@ -720,7 +727,7 @@
           <a:p>
             <a:fld id="{2C2AAFF6-1889-49BB-8AD7-B5E1F23A5778}" type="slidenum">
               <a:rPr lang="it-IT" smtClean="0"/>
-              <a:t>‹N›</a:t>
+              <a:t>‹#›</a:t>
             </a:fld>
             <a:endParaRPr lang="it-IT"/>
           </a:p>
@@ -918,7 +925,7 @@
           <a:p>
             <a:fld id="{2C2AAFF6-1889-49BB-8AD7-B5E1F23A5778}" type="slidenum">
               <a:rPr lang="it-IT" smtClean="0"/>
-              <a:t>‹N›</a:t>
+              <a:t>‹#›</a:t>
             </a:fld>
             <a:endParaRPr lang="it-IT"/>
           </a:p>
@@ -1193,7 +1200,7 @@
           <a:p>
             <a:fld id="{2C2AAFF6-1889-49BB-8AD7-B5E1F23A5778}" type="slidenum">
               <a:rPr lang="it-IT" smtClean="0"/>
-              <a:t>‹N›</a:t>
+              <a:t>‹#›</a:t>
             </a:fld>
             <a:endParaRPr lang="it-IT"/>
           </a:p>
@@ -1458,7 +1465,7 @@
           <a:p>
             <a:fld id="{2C2AAFF6-1889-49BB-8AD7-B5E1F23A5778}" type="slidenum">
               <a:rPr lang="it-IT" smtClean="0"/>
-              <a:t>‹N›</a:t>
+              <a:t>‹#›</a:t>
             </a:fld>
             <a:endParaRPr lang="it-IT"/>
           </a:p>
@@ -1870,7 +1877,7 @@
           <a:p>
             <a:fld id="{2C2AAFF6-1889-49BB-8AD7-B5E1F23A5778}" type="slidenum">
               <a:rPr lang="it-IT" smtClean="0"/>
-              <a:t>‹N›</a:t>
+              <a:t>‹#›</a:t>
             </a:fld>
             <a:endParaRPr lang="it-IT"/>
           </a:p>
@@ -2011,7 +2018,7 @@
           <a:p>
             <a:fld id="{2C2AAFF6-1889-49BB-8AD7-B5E1F23A5778}" type="slidenum">
               <a:rPr lang="it-IT" smtClean="0"/>
-              <a:t>‹N›</a:t>
+              <a:t>‹#›</a:t>
             </a:fld>
             <a:endParaRPr lang="it-IT"/>
           </a:p>
@@ -2124,7 +2131,7 @@
           <a:p>
             <a:fld id="{2C2AAFF6-1889-49BB-8AD7-B5E1F23A5778}" type="slidenum">
               <a:rPr lang="it-IT" smtClean="0"/>
-              <a:t>‹N›</a:t>
+              <a:t>‹#›</a:t>
             </a:fld>
             <a:endParaRPr lang="it-IT"/>
           </a:p>
@@ -2435,7 +2442,7 @@
           <a:p>
             <a:fld id="{2C2AAFF6-1889-49BB-8AD7-B5E1F23A5778}" type="slidenum">
               <a:rPr lang="it-IT" smtClean="0"/>
-              <a:t>‹N›</a:t>
+              <a:t>‹#›</a:t>
             </a:fld>
             <a:endParaRPr lang="it-IT"/>
           </a:p>
@@ -2723,7 +2730,7 @@
           <a:p>
             <a:fld id="{2C2AAFF6-1889-49BB-8AD7-B5E1F23A5778}" type="slidenum">
               <a:rPr lang="it-IT" smtClean="0"/>
-              <a:t>‹N›</a:t>
+              <a:t>‹#›</a:t>
             </a:fld>
             <a:endParaRPr lang="it-IT"/>
           </a:p>
@@ -3000,7 +3007,7 @@
           <a:p>
             <a:fld id="{2C2AAFF6-1889-49BB-8AD7-B5E1F23A5778}" type="slidenum">
               <a:rPr lang="it-IT" smtClean="0"/>
-              <a:t>‹N›</a:t>
+              <a:t>‹#›</a:t>
             </a:fld>
             <a:endParaRPr lang="it-IT"/>
           </a:p>
@@ -3678,6 +3685,83 @@
           <a:bodyPr/>
           <a:lstStyle/>
           <a:p>
+            <a:pPr rtl="0">
+              <a:spcBef>
+                <a:spcPts val="0"/>
+              </a:spcBef>
+              <a:spcAft>
+                <a:spcPts val="0"/>
+              </a:spcAft>
+            </a:pPr>
+            <a:r>
+              <a:rPr lang="en-US" b="1" dirty="0" err="1"/>
+              <a:t>dApp</a:t>
+            </a:r>
+            <a:r>
+              <a:rPr lang="en-US" b="1" dirty="0"/>
+              <a:t> for ordering potatoes online and delivery through a locker</a:t>
+            </a:r>
+          </a:p>
+          <a:p>
+            <a:pPr rtl="0">
+              <a:spcBef>
+                <a:spcPts val="0"/>
+              </a:spcBef>
+              <a:spcAft>
+                <a:spcPts val="0"/>
+              </a:spcAft>
+            </a:pPr>
+            <a:endParaRPr lang="en-US" b="1" dirty="0"/>
+          </a:p>
+          <a:p>
+            <a:pPr rtl="0">
+              <a:spcBef>
+                <a:spcPts val="0"/>
+              </a:spcBef>
+              <a:spcAft>
+                <a:spcPts val="0"/>
+              </a:spcAft>
+            </a:pPr>
+            <a:r>
+              <a:rPr lang="en-US" b="1" dirty="0"/>
+              <a:t>Privacy Centric</a:t>
+            </a:r>
+            <a:r>
+              <a:rPr lang="en-US" dirty="0"/>
+              <a:t> : use wallet instead of showing id or person interaction</a:t>
+            </a:r>
+          </a:p>
+          <a:p>
+            <a:pPr rtl="0">
+              <a:spcBef>
+                <a:spcPts val="0"/>
+              </a:spcBef>
+              <a:spcAft>
+                <a:spcPts val="0"/>
+              </a:spcAft>
+            </a:pPr>
+            <a:endParaRPr lang="en-US" dirty="0"/>
+          </a:p>
+          <a:p>
+            <a:pPr rtl="0">
+              <a:spcBef>
+                <a:spcPts val="0"/>
+              </a:spcBef>
+              <a:spcAft>
+                <a:spcPts val="0"/>
+              </a:spcAft>
+            </a:pPr>
+            <a:r>
+              <a:rPr lang="en-US" b="1" dirty="0"/>
+              <a:t>Customer Centric</a:t>
+            </a:r>
+            <a:r>
+              <a:rPr lang="en-US" dirty="0"/>
+              <a:t> : no gas fees to buy potatoes or to open a locker</a:t>
+            </a:r>
+            <a:br>
+              <a:rPr lang="en-US" dirty="0"/>
+            </a:br>
             <a:endParaRPr lang="it-IT" dirty="0"/>
           </a:p>
         </p:txBody>
@@ -3784,6 +3868,99 @@
           <a:bodyPr/>
           <a:lstStyle/>
           <a:p>
+            <a:pPr marL="0" indent="0">
+              <a:buNone/>
+            </a:pPr>
+            <a:endParaRPr lang="it-IT" dirty="0"/>
+          </a:p>
+          <a:p>
+            <a:pPr rtl="0">
+              <a:spcBef>
+                <a:spcPts val="0"/>
+              </a:spcBef>
+              <a:spcAft>
+                <a:spcPts val="0"/>
+              </a:spcAft>
+            </a:pPr>
+            <a:r>
+              <a:rPr lang="en-US" dirty="0"/>
+              <a:t>a ERC20 potato stablecoin</a:t>
+            </a:r>
+          </a:p>
+          <a:p>
+            <a:pPr rtl="0">
+              <a:spcBef>
+                <a:spcPts val="0"/>
+              </a:spcBef>
+              <a:spcAft>
+                <a:spcPts val="0"/>
+              </a:spcAft>
+            </a:pPr>
+            <a:endParaRPr lang="en-US" dirty="0"/>
+          </a:p>
+          <a:p>
+            <a:pPr rtl="0">
+              <a:spcBef>
+                <a:spcPts val="0"/>
+              </a:spcBef>
+              <a:spcAft>
+                <a:spcPts val="0"/>
+              </a:spcAft>
+            </a:pPr>
+            <a:r>
+              <a:rPr lang="en-US" dirty="0"/>
+              <a:t>Implements IERC20Permit to provide gasless allowance</a:t>
+            </a:r>
+          </a:p>
+          <a:p>
+            <a:pPr rtl="0">
+              <a:spcBef>
+                <a:spcPts val="0"/>
+              </a:spcBef>
+              <a:spcAft>
+                <a:spcPts val="0"/>
+              </a:spcAft>
+            </a:pPr>
+            <a:endParaRPr lang="en-US" dirty="0"/>
+          </a:p>
+          <a:p>
+            <a:pPr rtl="0">
+              <a:spcBef>
+                <a:spcPts val="0"/>
+              </a:spcBef>
+              <a:spcAft>
+                <a:spcPts val="0"/>
+              </a:spcAft>
+            </a:pPr>
+            <a:r>
+              <a:rPr lang="en-US" dirty="0"/>
+              <a:t>Price tied to the price of a potato by the EATER DAO</a:t>
+            </a:r>
+          </a:p>
+          <a:p>
+            <a:pPr lvl="1">
+              <a:spcBef>
+                <a:spcPts val="0"/>
+              </a:spcBef>
+            </a:pPr>
+            <a:r>
+              <a:rPr lang="en-US" dirty="0"/>
+              <a:t>It potatoes get to cheap, they eat a lot of potatoes from the supply</a:t>
+            </a:r>
+          </a:p>
+          <a:p>
+            <a:pPr lvl="1">
+              <a:spcBef>
+                <a:spcPts val="0"/>
+              </a:spcBef>
+            </a:pPr>
+            <a:r>
+              <a:rPr lang="en-US" dirty="0"/>
+              <a:t>Otherwise the reverse</a:t>
+            </a:r>
+            <a:br>
+              <a:rPr lang="en-US" dirty="0"/>
+            </a:br>
             <a:endParaRPr lang="it-IT" dirty="0"/>
           </a:p>
         </p:txBody>
@@ -3887,10 +4064,210 @@
         </p:nvSpPr>
         <p:spPr/>
         <p:txBody>
-          <a:bodyPr/>
-          <a:lstStyle/>
+          <a:bodyPr>
+            <a:normAutofit lnSpcReduction="10000"/>
+          </a:bodyPr>
+          <a:lstStyle/>
+          <a:p>
+            <a:r>
+              <a:rPr lang="it-IT" dirty="0" err="1"/>
+              <a:t>Permit</a:t>
+            </a:r>
+            <a:r>
+              <a:rPr lang="it-IT" dirty="0"/>
+              <a:t> </a:t>
+            </a:r>
+            <a:r>
+              <a:rPr lang="it-IT" dirty="0" err="1"/>
+              <a:t>function</a:t>
+            </a:r>
+            <a:r>
+              <a:rPr lang="it-IT" dirty="0"/>
+              <a:t> calls the IERC20Permit.permit with signature and </a:t>
+            </a:r>
+            <a:r>
+              <a:rPr lang="it-IT" dirty="0" err="1"/>
+              <a:t>content</a:t>
+            </a:r>
+            <a:r>
+              <a:rPr lang="it-IT" dirty="0"/>
+              <a:t> and </a:t>
+            </a:r>
+            <a:r>
+              <a:rPr lang="it-IT" dirty="0" err="1"/>
+              <a:t>raises</a:t>
+            </a:r>
+            <a:r>
+              <a:rPr lang="it-IT" dirty="0"/>
+              <a:t> an event for the potato-</a:t>
+            </a:r>
+            <a:r>
+              <a:rPr lang="it-IT" dirty="0" err="1"/>
+              <a:t>daemon</a:t>
+            </a:r>
+            <a:r>
+              <a:rPr lang="it-IT" dirty="0"/>
+              <a:t>.</a:t>
+            </a:r>
+          </a:p>
           <a:p>
             <a:endParaRPr lang="it-IT" dirty="0"/>
+          </a:p>
+          <a:p>
+            <a:r>
+              <a:rPr lang="it-IT" dirty="0" err="1"/>
+              <a:t>GetApprovedAmount</a:t>
+            </a:r>
+            <a:r>
+              <a:rPr lang="it-IT" dirty="0"/>
+              <a:t> transfers the potato </a:t>
+            </a:r>
+            <a:r>
+              <a:rPr lang="it-IT" dirty="0" err="1"/>
+              <a:t>allowed</a:t>
+            </a:r>
+            <a:r>
+              <a:rPr lang="it-IT" dirty="0"/>
+              <a:t> tokens to </a:t>
+            </a:r>
+            <a:r>
+              <a:rPr lang="it-IT" dirty="0" err="1"/>
+              <a:t>itself</a:t>
+            </a:r>
+            <a:r>
+              <a:rPr lang="it-IT" dirty="0"/>
+              <a:t>.</a:t>
+            </a:r>
+          </a:p>
+          <a:p>
+            <a:endParaRPr lang="it-IT" dirty="0"/>
+          </a:p>
+          <a:p>
+            <a:r>
+              <a:rPr lang="it-IT" dirty="0" err="1"/>
+              <a:t>ReserveLocker</a:t>
+            </a:r>
+            <a:r>
+              <a:rPr lang="it-IT" dirty="0"/>
+              <a:t> </a:t>
+            </a:r>
+            <a:r>
+              <a:rPr lang="it-IT" dirty="0" err="1"/>
+              <a:t>assigns</a:t>
+            </a:r>
+            <a:r>
+              <a:rPr lang="it-IT" dirty="0"/>
+              <a:t> an </a:t>
+            </a:r>
+            <a:r>
+              <a:rPr lang="it-IT" dirty="0" err="1"/>
+              <a:t>available</a:t>
+            </a:r>
+            <a:r>
+              <a:rPr lang="it-IT" dirty="0"/>
+              <a:t> </a:t>
+            </a:r>
+            <a:r>
+              <a:rPr lang="it-IT" dirty="0" err="1"/>
+              <a:t>locker</a:t>
+            </a:r>
+            <a:r>
+              <a:rPr lang="it-IT" dirty="0"/>
+              <a:t> with the use of </a:t>
+            </a:r>
+            <a:r>
+              <a:rPr lang="it-IT" dirty="0" err="1"/>
+              <a:t>randomness</a:t>
+            </a:r>
+            <a:r>
+              <a:rPr lang="it-IT" dirty="0"/>
+              <a:t> and </a:t>
+            </a:r>
+            <a:r>
+              <a:rPr lang="it-IT" dirty="0" err="1"/>
+              <a:t>integer</a:t>
+            </a:r>
+            <a:r>
+              <a:rPr lang="it-IT" dirty="0"/>
+              <a:t> overflow.</a:t>
+            </a:r>
+          </a:p>
+          <a:p>
+            <a:endParaRPr lang="it-IT" dirty="0"/>
+          </a:p>
+          <a:p>
+            <a:r>
+              <a:rPr lang="it-IT" dirty="0" err="1"/>
+              <a:t>OpenLocker</a:t>
+            </a:r>
+            <a:r>
+              <a:rPr lang="it-IT" dirty="0"/>
+              <a:t> </a:t>
+            </a:r>
+            <a:r>
+              <a:rPr lang="it-IT" dirty="0" err="1"/>
+              <a:t>opens</a:t>
+            </a:r>
+            <a:r>
+              <a:rPr lang="it-IT" dirty="0"/>
+              <a:t> the </a:t>
+            </a:r>
+            <a:r>
+              <a:rPr lang="it-IT" dirty="0" err="1"/>
+              <a:t>locker</a:t>
+            </a:r>
+            <a:r>
+              <a:rPr lang="it-IT" dirty="0"/>
+              <a:t> </a:t>
+            </a:r>
+            <a:r>
+              <a:rPr lang="it-IT" dirty="0" err="1"/>
+              <a:t>if</a:t>
+            </a:r>
+            <a:r>
+              <a:rPr lang="it-IT" dirty="0"/>
+              <a:t> user </a:t>
+            </a:r>
+            <a:r>
+              <a:rPr lang="it-IT" dirty="0" err="1"/>
+              <a:t>provides</a:t>
+            </a:r>
+            <a:r>
+              <a:rPr lang="it-IT" dirty="0"/>
+              <a:t> </a:t>
+            </a:r>
+            <a:r>
+              <a:rPr lang="it-IT" dirty="0" err="1"/>
+              <a:t>signed</a:t>
+            </a:r>
+            <a:r>
+              <a:rPr lang="it-IT" dirty="0"/>
+              <a:t> </a:t>
+            </a:r>
+            <a:r>
+              <a:rPr lang="it-IT" dirty="0" err="1"/>
+              <a:t>message</a:t>
+            </a:r>
+            <a:r>
+              <a:rPr lang="it-IT" dirty="0"/>
+              <a:t> of the </a:t>
+            </a:r>
+            <a:r>
+              <a:rPr lang="it-IT" dirty="0" err="1"/>
+              <a:t>locker</a:t>
+            </a:r>
+            <a:r>
+              <a:rPr lang="it-IT" dirty="0"/>
+              <a:t> </a:t>
+            </a:r>
+            <a:r>
+              <a:rPr lang="it-IT" dirty="0" err="1"/>
+              <a:t>number</a:t>
+            </a:r>
+            <a:r>
+              <a:rPr lang="it-IT" dirty="0"/>
+              <a:t>.</a:t>
+            </a:r>
           </a:p>
         </p:txBody>
       </p:sp>
@@ -4014,7 +4391,195 @@
           <a:bodyPr/>
           <a:lstStyle/>
           <a:p>
+            <a:r>
+              <a:rPr lang="it-IT" dirty="0"/>
+              <a:t>BE/FE for </a:t>
+            </a:r>
+            <a:r>
+              <a:rPr lang="it-IT" dirty="0" err="1"/>
+              <a:t>buying</a:t>
+            </a:r>
+            <a:r>
+              <a:rPr lang="it-IT" dirty="0"/>
+              <a:t> </a:t>
+            </a:r>
+            <a:r>
+              <a:rPr lang="it-IT" dirty="0" err="1"/>
+              <a:t>potatoes</a:t>
+            </a:r>
+            <a:r>
+              <a:rPr lang="it-IT" dirty="0"/>
+              <a:t> on public internet</a:t>
+            </a:r>
+          </a:p>
+          <a:p>
             <a:endParaRPr lang="it-IT" dirty="0"/>
+          </a:p>
+          <a:p>
+            <a:r>
+              <a:rPr lang="it-IT" dirty="0"/>
+              <a:t>BE/FE for opening </a:t>
+            </a:r>
+            <a:r>
+              <a:rPr lang="it-IT" dirty="0" err="1"/>
+              <a:t>locker</a:t>
+            </a:r>
+            <a:r>
+              <a:rPr lang="it-IT" dirty="0"/>
+              <a:t> on </a:t>
+            </a:r>
+            <a:r>
+              <a:rPr lang="it-IT" dirty="0" err="1"/>
+              <a:t>wifi</a:t>
+            </a:r>
+            <a:r>
+              <a:rPr lang="it-IT" dirty="0"/>
+              <a:t> of embedded </a:t>
+            </a:r>
+            <a:r>
+              <a:rPr lang="it-IT" dirty="0" err="1"/>
+              <a:t>locker</a:t>
+            </a:r>
+            <a:r>
+              <a:rPr lang="it-IT" dirty="0"/>
+              <a:t> </a:t>
+            </a:r>
+            <a:r>
+              <a:rPr lang="it-IT" dirty="0" err="1"/>
+              <a:t>mgmt</a:t>
+            </a:r>
+            <a:r>
+              <a:rPr lang="it-IT" dirty="0"/>
+              <a:t> system</a:t>
+            </a:r>
+          </a:p>
+          <a:p>
+            <a:endParaRPr lang="it-IT" dirty="0"/>
+          </a:p>
+          <a:p>
+            <a:r>
+              <a:rPr lang="it-IT" dirty="0" err="1"/>
+              <a:t>Daemon</a:t>
+            </a:r>
+            <a:r>
+              <a:rPr lang="it-IT" dirty="0"/>
+              <a:t> (TEE) to </a:t>
+            </a:r>
+            <a:r>
+              <a:rPr lang="it-IT" dirty="0" err="1"/>
+              <a:t>listen</a:t>
+            </a:r>
+            <a:r>
+              <a:rPr lang="it-IT" dirty="0"/>
+              <a:t> on events</a:t>
+            </a:r>
+          </a:p>
+          <a:p>
+            <a:pPr lvl="1"/>
+            <a:r>
+              <a:rPr lang="it-IT" dirty="0" err="1"/>
+              <a:t>BuyPotato</a:t>
+            </a:r>
+            <a:r>
+              <a:rPr lang="it-IT" dirty="0"/>
+              <a:t> : </a:t>
+            </a:r>
+            <a:r>
+              <a:rPr lang="it-IT" dirty="0" err="1"/>
+              <a:t>register</a:t>
+            </a:r>
+            <a:r>
+              <a:rPr lang="it-IT" dirty="0"/>
+              <a:t> email to buyer and </a:t>
+            </a:r>
+            <a:r>
+              <a:rPr lang="it-IT" dirty="0" err="1"/>
+              <a:t>reserves</a:t>
+            </a:r>
+            <a:r>
+              <a:rPr lang="it-IT" dirty="0"/>
+              <a:t> </a:t>
+            </a:r>
+            <a:r>
+              <a:rPr lang="it-IT" dirty="0" err="1"/>
+              <a:t>locker</a:t>
+            </a:r>
+            <a:endParaRPr lang="it-IT" dirty="0"/>
+          </a:p>
+          <a:p>
+            <a:pPr lvl="1"/>
+            <a:r>
+              <a:rPr lang="it-IT" dirty="0" err="1"/>
+              <a:t>LockerAssigned</a:t>
+            </a:r>
+            <a:r>
+              <a:rPr lang="it-IT" dirty="0"/>
+              <a:t> : </a:t>
+            </a:r>
+            <a:r>
+              <a:rPr lang="it-IT" dirty="0" err="1"/>
+              <a:t>send</a:t>
+            </a:r>
+            <a:r>
+              <a:rPr lang="it-IT" dirty="0"/>
+              <a:t> </a:t>
+            </a:r>
+            <a:r>
+              <a:rPr lang="it-IT" dirty="0" err="1"/>
+              <a:t>order</a:t>
+            </a:r>
+            <a:r>
+              <a:rPr lang="it-IT" dirty="0"/>
+              <a:t> </a:t>
+            </a:r>
+            <a:r>
+              <a:rPr lang="it-IT" dirty="0" err="1"/>
+              <a:t>confirmation</a:t>
+            </a:r>
+            <a:r>
+              <a:rPr lang="it-IT" dirty="0"/>
+              <a:t> to buyer with </a:t>
+            </a:r>
+            <a:r>
+              <a:rPr lang="it-IT" dirty="0" err="1"/>
+              <a:t>locker</a:t>
+            </a:r>
+            <a:r>
+              <a:rPr lang="it-IT" dirty="0"/>
+              <a:t> </a:t>
+            </a:r>
+            <a:r>
+              <a:rPr lang="it-IT" dirty="0" err="1"/>
+              <a:t>number</a:t>
+            </a:r>
+            <a:endParaRPr lang="it-IT" dirty="0"/>
+          </a:p>
+          <a:p>
+            <a:pPr lvl="1"/>
+            <a:r>
+              <a:rPr lang="it-IT" dirty="0" err="1"/>
+              <a:t>LockeOpened</a:t>
+            </a:r>
+            <a:r>
+              <a:rPr lang="it-IT" dirty="0"/>
+              <a:t> : </a:t>
+            </a:r>
+            <a:r>
+              <a:rPr lang="it-IT" dirty="0" err="1"/>
+              <a:t>send</a:t>
+            </a:r>
+            <a:r>
+              <a:rPr lang="it-IT" dirty="0"/>
+              <a:t> pickup </a:t>
+            </a:r>
+            <a:r>
+              <a:rPr lang="it-IT" dirty="0" err="1"/>
+              <a:t>confirmation</a:t>
+            </a:r>
+            <a:r>
+              <a:rPr lang="it-IT" dirty="0"/>
+              <a:t> to buyer</a:t>
+            </a:r>
           </a:p>
         </p:txBody>
       </p:sp>
@@ -4032,6 +4597,274 @@
 </file>
 
 <file path=ppt/slides/slide6.xml><?xml version="1.0" encoding="utf-8"?>
+<p:sld xmlns:a="http://schemas.openxmlformats.org/drawingml/2006/main" xmlns:r="http://schemas.openxmlformats.org/officeDocument/2006/relationships" xmlns:p="http://schemas.openxmlformats.org/presentationml/2006/main">
+  <p:cSld>
+    <p:bg>
+      <p:bgPr>
+        <a:solidFill>
+          <a:srgbClr val="8AB9F2"/>
+        </a:solidFill>
+        <a:effectLst/>
+      </p:bgPr>
+    </p:bg>
+    <p:spTree>
+      <p:nvGrpSpPr>
+        <p:cNvPr id="1" name="">
+          <a:extLst>
+            <a:ext uri="{FF2B5EF4-FFF2-40B4-BE49-F238E27FC236}">
+              <a16:creationId xmlns:a16="http://schemas.microsoft.com/office/drawing/2014/main" id="{282A5535-0F0C-AF6E-7556-08931E291CF7}"/>
+            </a:ext>
+          </a:extLst>
+        </p:cNvPr>
+        <p:cNvGrpSpPr/>
+        <p:nvPr/>
+      </p:nvGrpSpPr>
+      <p:grpSpPr>
+        <a:xfrm>
+          <a:off x="0" y="0"/>
+          <a:ext cx="0" cy="0"/>
+          <a:chOff x="0" y="0"/>
+          <a:chExt cx="0" cy="0"/>
+        </a:xfrm>
+      </p:grpSpPr>
+      <p:sp>
+        <p:nvSpPr>
+          <p:cNvPr id="2" name="Titolo 1">
+            <a:extLst>
+              <a:ext uri="{FF2B5EF4-FFF2-40B4-BE49-F238E27FC236}">
+                <a16:creationId xmlns:a16="http://schemas.microsoft.com/office/drawing/2014/main" id="{1246CFEB-3876-E4A4-8387-6BBC38A5A9A0}"/>
+              </a:ext>
+            </a:extLst>
+          </p:cNvPr>
+          <p:cNvSpPr>
+            <a:spLocks noGrp="1"/>
+          </p:cNvSpPr>
+          <p:nvPr>
+            <p:ph type="title"/>
+          </p:nvPr>
+        </p:nvSpPr>
+        <p:spPr/>
+        <p:txBody>
+          <a:bodyPr/>
+          <a:lstStyle/>
+          <a:p>
+            <a:r>
+              <a:rPr lang="it-IT" b="1" i="0" dirty="0">
+                <a:solidFill>
+                  <a:srgbClr val="1F2328"/>
+                </a:solidFill>
+                <a:effectLst/>
+                <a:latin typeface="-apple-system"/>
+              </a:rPr>
+              <a:t>How </a:t>
+            </a:r>
+            <a:r>
+              <a:rPr lang="it-IT" b="1" i="0" dirty="0" err="1">
+                <a:solidFill>
+                  <a:srgbClr val="1F2328"/>
+                </a:solidFill>
+                <a:effectLst/>
+                <a:latin typeface="-apple-system"/>
+              </a:rPr>
+              <a:t>It</a:t>
+            </a:r>
+            <a:r>
+              <a:rPr lang="it-IT" b="1" i="0" dirty="0">
+                <a:solidFill>
+                  <a:srgbClr val="1F2328"/>
+                </a:solidFill>
+                <a:effectLst/>
+                <a:latin typeface="-apple-system"/>
+              </a:rPr>
+              <a:t> Works</a:t>
+            </a:r>
+            <a:endParaRPr lang="it-IT" b="1" dirty="0"/>
+          </a:p>
+        </p:txBody>
+      </p:sp>
+      <p:pic>
+        <p:nvPicPr>
+          <p:cNvPr id="9" name="Content Placeholder 8" descr="A diagram of a potato&#10;&#10;Description automatically generated">
+            <a:extLst>
+              <a:ext uri="{FF2B5EF4-FFF2-40B4-BE49-F238E27FC236}">
+                <a16:creationId xmlns:a16="http://schemas.microsoft.com/office/drawing/2014/main" id="{79F450DE-EC18-81A0-2BEE-8F3BD5DD89C6}"/>
+              </a:ext>
+            </a:extLst>
+          </p:cNvPr>
+          <p:cNvPicPr>
+            <a:picLocks noGrp="1" noChangeAspect="1"/>
+          </p:cNvPicPr>
+          <p:nvPr>
+            <p:ph idx="1"/>
+          </p:nvPr>
+        </p:nvPicPr>
+        <p:blipFill>
+          <a:blip r:embed="rId2">
+            <a:extLst>
+              <a:ext uri="{28A0092B-C50C-407E-A947-70E740481C1C}">
+                <a14:useLocalDpi xmlns:a14="http://schemas.microsoft.com/office/drawing/2010/main" val="0"/>
+              </a:ext>
+            </a:extLst>
+          </a:blip>
+          <a:stretch>
+            <a:fillRect/>
+          </a:stretch>
+        </p:blipFill>
+        <p:spPr>
+          <a:xfrm>
+            <a:off x="2627930" y="1825625"/>
+            <a:ext cx="6936139" cy="4351338"/>
+          </a:xfrm>
+        </p:spPr>
+      </p:pic>
+    </p:spTree>
+    <p:extLst>
+      <p:ext uri="{BB962C8B-B14F-4D97-AF65-F5344CB8AC3E}">
+        <p14:creationId xmlns:p14="http://schemas.microsoft.com/office/powerpoint/2010/main" val="4000901553"/>
+      </p:ext>
+    </p:extLst>
+  </p:cSld>
+  <p:clrMapOvr>
+    <a:masterClrMapping/>
+  </p:clrMapOvr>
+</p:sld>
+</file>
+
+<file path=ppt/slides/slide7.xml><?xml version="1.0" encoding="utf-8"?>
+<p:sld xmlns:a="http://schemas.openxmlformats.org/drawingml/2006/main" xmlns:r="http://schemas.openxmlformats.org/officeDocument/2006/relationships" xmlns:p="http://schemas.openxmlformats.org/presentationml/2006/main">
+  <p:cSld>
+    <p:bg>
+      <p:bgPr>
+        <a:solidFill>
+          <a:srgbClr val="8AB9F2"/>
+        </a:solidFill>
+        <a:effectLst/>
+      </p:bgPr>
+    </p:bg>
+    <p:spTree>
+      <p:nvGrpSpPr>
+        <p:cNvPr id="1" name="">
+          <a:extLst>
+            <a:ext uri="{FF2B5EF4-FFF2-40B4-BE49-F238E27FC236}">
+              <a16:creationId xmlns:a16="http://schemas.microsoft.com/office/drawing/2014/main" id="{282A5535-0F0C-AF6E-7556-08931E291CF7}"/>
+            </a:ext>
+          </a:extLst>
+        </p:cNvPr>
+        <p:cNvGrpSpPr/>
+        <p:nvPr/>
+      </p:nvGrpSpPr>
+      <p:grpSpPr>
+        <a:xfrm>
+          <a:off x="0" y="0"/>
+          <a:ext cx="0" cy="0"/>
+          <a:chOff x="0" y="0"/>
+          <a:chExt cx="0" cy="0"/>
+        </a:xfrm>
+      </p:grpSpPr>
+      <p:sp>
+        <p:nvSpPr>
+          <p:cNvPr id="2" name="Titolo 1">
+            <a:extLst>
+              <a:ext uri="{FF2B5EF4-FFF2-40B4-BE49-F238E27FC236}">
+                <a16:creationId xmlns:a16="http://schemas.microsoft.com/office/drawing/2014/main" id="{1246CFEB-3876-E4A4-8387-6BBC38A5A9A0}"/>
+              </a:ext>
+            </a:extLst>
+          </p:cNvPr>
+          <p:cNvSpPr>
+            <a:spLocks noGrp="1"/>
+          </p:cNvSpPr>
+          <p:nvPr>
+            <p:ph type="title"/>
+          </p:nvPr>
+        </p:nvSpPr>
+        <p:spPr/>
+        <p:txBody>
+          <a:bodyPr/>
+          <a:lstStyle/>
+          <a:p>
+            <a:r>
+              <a:rPr lang="it-IT" b="1" i="0" dirty="0">
+                <a:solidFill>
+                  <a:srgbClr val="1F2328"/>
+                </a:solidFill>
+                <a:effectLst/>
+                <a:latin typeface="-apple-system"/>
+              </a:rPr>
+              <a:t>How </a:t>
+            </a:r>
+            <a:r>
+              <a:rPr lang="it-IT" b="1" i="0" dirty="0" err="1">
+                <a:solidFill>
+                  <a:srgbClr val="1F2328"/>
+                </a:solidFill>
+                <a:effectLst/>
+                <a:latin typeface="-apple-system"/>
+              </a:rPr>
+              <a:t>It</a:t>
+            </a:r>
+            <a:r>
+              <a:rPr lang="it-IT" b="1" i="0" dirty="0">
+                <a:solidFill>
+                  <a:srgbClr val="1F2328"/>
+                </a:solidFill>
+                <a:effectLst/>
+                <a:latin typeface="-apple-system"/>
+              </a:rPr>
+              <a:t> Works</a:t>
+            </a:r>
+            <a:endParaRPr lang="it-IT" b="1" dirty="0"/>
+          </a:p>
+        </p:txBody>
+      </p:sp>
+      <p:pic>
+        <p:nvPicPr>
+          <p:cNvPr id="13" name="Content Placeholder 12" descr="A diagram of a network&#10;&#10;Description automatically generated">
+            <a:extLst>
+              <a:ext uri="{FF2B5EF4-FFF2-40B4-BE49-F238E27FC236}">
+                <a16:creationId xmlns:a16="http://schemas.microsoft.com/office/drawing/2014/main" id="{C2C641F1-1FBA-BC88-4700-7BBB0D5FF434}"/>
+              </a:ext>
+            </a:extLst>
+          </p:cNvPr>
+          <p:cNvPicPr>
+            <a:picLocks noGrp="1" noChangeAspect="1"/>
+          </p:cNvPicPr>
+          <p:nvPr>
+            <p:ph idx="1"/>
+          </p:nvPr>
+        </p:nvPicPr>
+        <p:blipFill>
+          <a:blip r:embed="rId2">
+            <a:extLst>
+              <a:ext uri="{28A0092B-C50C-407E-A947-70E740481C1C}">
+                <a14:useLocalDpi xmlns:a14="http://schemas.microsoft.com/office/drawing/2010/main" val="0"/>
+              </a:ext>
+            </a:extLst>
+          </a:blip>
+          <a:stretch>
+            <a:fillRect/>
+          </a:stretch>
+        </p:blipFill>
+        <p:spPr>
+          <a:xfrm>
+            <a:off x="838200" y="2094007"/>
+            <a:ext cx="10515600" cy="3814573"/>
+          </a:xfrm>
+        </p:spPr>
+      </p:pic>
+    </p:spTree>
+    <p:extLst>
+      <p:ext uri="{BB962C8B-B14F-4D97-AF65-F5344CB8AC3E}">
+        <p14:creationId xmlns:p14="http://schemas.microsoft.com/office/powerpoint/2010/main" val="3073644379"/>
+      </p:ext>
+    </p:extLst>
+  </p:cSld>
+  <p:clrMapOvr>
+    <a:masterClrMapping/>
+  </p:clrMapOvr>
+</p:sld>
+</file>
+
+<file path=ppt/slides/slide8.xml><?xml version="1.0" encoding="utf-8"?>
 <p:sld xmlns:a="http://schemas.openxmlformats.org/drawingml/2006/main" xmlns:r="http://schemas.openxmlformats.org/officeDocument/2006/relationships" xmlns:p="http://schemas.openxmlformats.org/presentationml/2006/main">
   <p:cSld>
     <p:bg>
@@ -4118,6 +4951,56 @@
           <a:bodyPr/>
           <a:lstStyle/>
           <a:p>
+            <a:r>
+              <a:rPr lang="it-IT" dirty="0" err="1"/>
+              <a:t>Gasless</a:t>
+            </a:r>
+            <a:r>
+              <a:rPr lang="it-IT" dirty="0"/>
+              <a:t> </a:t>
+            </a:r>
+            <a:r>
+              <a:rPr lang="it-IT" dirty="0" err="1"/>
+              <a:t>purchases</a:t>
+            </a:r>
+            <a:endParaRPr lang="it-IT" dirty="0"/>
+          </a:p>
+          <a:p>
+            <a:endParaRPr lang="it-IT" dirty="0"/>
+          </a:p>
+          <a:p>
+            <a:r>
+              <a:rPr lang="it-IT" dirty="0"/>
+              <a:t>Handling of </a:t>
+            </a:r>
+            <a:r>
+              <a:rPr lang="it-IT" dirty="0" err="1"/>
+              <a:t>goods</a:t>
+            </a:r>
+            <a:r>
+              <a:rPr lang="it-IT" dirty="0"/>
+              <a:t> for </a:t>
+            </a:r>
+            <a:r>
+              <a:rPr lang="it-IT" dirty="0" err="1"/>
+              <a:t>which</a:t>
+            </a:r>
+            <a:r>
+              <a:rPr lang="it-IT" dirty="0"/>
+              <a:t> privacy </a:t>
+            </a:r>
+            <a:r>
+              <a:rPr lang="it-IT" dirty="0" err="1"/>
+              <a:t>is</a:t>
+            </a:r>
+            <a:r>
+              <a:rPr lang="it-IT" dirty="0"/>
+              <a:t> </a:t>
+            </a:r>
+            <a:r>
+              <a:rPr lang="it-IT"/>
+              <a:t>paramount</a:t>
+            </a:r>
             <a:endParaRPr lang="it-IT" dirty="0"/>
           </a:p>
         </p:txBody>
@@ -4135,7 +5018,7 @@
 </p:sld>
 </file>
 
-<file path=ppt/slides/slide7.xml><?xml version="1.0" encoding="utf-8"?>
+<file path=ppt/slides/slide9.xml><?xml version="1.0" encoding="utf-8"?>
 <p:sld xmlns:a="http://schemas.openxmlformats.org/drawingml/2006/main" xmlns:r="http://schemas.openxmlformats.org/officeDocument/2006/relationships" xmlns:p="http://schemas.openxmlformats.org/presentationml/2006/main">
   <p:cSld>
     <p:bg>
@@ -4222,7 +5105,64 @@
           <a:bodyPr/>
           <a:lstStyle/>
           <a:p>
-            <a:endParaRPr lang="it-IT" dirty="0"/>
+            <a:r>
+              <a:rPr lang="it-IT" dirty="0"/>
+              <a:t>EVM events can be </a:t>
+            </a:r>
+            <a:r>
+              <a:rPr lang="it-IT" dirty="0" err="1"/>
+              <a:t>used</a:t>
+            </a:r>
+            <a:r>
+              <a:rPr lang="it-IT" dirty="0"/>
+              <a:t> </a:t>
+            </a:r>
+            <a:r>
+              <a:rPr lang="it-IT" dirty="0" err="1"/>
+              <a:t>as</a:t>
+            </a:r>
+            <a:r>
+              <a:rPr lang="it-IT" dirty="0"/>
+              <a:t> Kafka / ServiceBus to a TEE</a:t>
+            </a:r>
+          </a:p>
+          <a:p>
+            <a:r>
+              <a:rPr lang="it-IT" dirty="0"/>
+              <a:t>Use </a:t>
+            </a:r>
+            <a:r>
+              <a:rPr lang="it-IT" dirty="0" err="1"/>
+              <a:t>NestJS</a:t>
+            </a:r>
+            <a:r>
+              <a:rPr lang="it-IT" dirty="0"/>
+              <a:t> BE </a:t>
+            </a:r>
+            <a:r>
+              <a:rPr lang="it-IT" dirty="0" err="1"/>
+              <a:t>instead</a:t>
+            </a:r>
+            <a:r>
+              <a:rPr lang="it-IT" dirty="0"/>
+              <a:t> of scaffold-</a:t>
+            </a:r>
+            <a:r>
+              <a:rPr lang="it-IT" dirty="0" err="1"/>
+              <a:t>eth</a:t>
+            </a:r>
+            <a:r>
+              <a:rPr lang="it-IT" dirty="0"/>
+              <a:t> (time </a:t>
+            </a:r>
+            <a:r>
+              <a:rPr lang="it-IT" dirty="0" err="1"/>
+              <a:t>issue</a:t>
+            </a:r>
+            <a:r>
+              <a:rPr lang="it-IT" dirty="0"/>
+              <a:t>)</a:t>
+            </a:r>
           </a:p>
         </p:txBody>
       </p:sp>
